--- a/cafe-yuta-ebara/メニュー.pptx
+++ b/cafe-yuta-ebara/メニュー.pptx
@@ -104,6 +104,11 @@
       </a:defRPr>
     </a:lvl9pPr>
   </p:defaultTextStyle>
+  <p:extLst>
+    <p:ext uri="{EFAFB233-063F-42B5-8137-9DF3F51BA10A}">
+      <p15:sldGuideLst xmlns:p15="http://schemas.microsoft.com/office/powerpoint/2012/main"/>
+    </p:ext>
+  </p:extLst>
 </p:presentation>
 </file>
 
@@ -3295,27 +3300,32 @@
         <p:spPr>
           <a:xfrm>
             <a:off x="1524000" y="1622612"/>
-            <a:ext cx="9144000" cy="3635188"/>
+            <a:ext cx="9144000" cy="4706470"/>
           </a:xfrm>
         </p:spPr>
         <p:txBody>
-          <a:bodyPr/>
-          <a:lstStyle/>
-          <a:p>
+          <a:bodyPr>
+            <a:normAutofit lnSpcReduction="10000"/>
+          </a:bodyPr>
+          <a:lstStyle/>
+          <a:p>
+            <a:pPr algn="l"/>
             <a:r>
               <a:rPr lang="ja-JP" altLang="en-US" dirty="0" smtClean="0"/>
-              <a:t>コーヒー　３９０円</a:t>
+              <a:t>コーヒー　３９０円　</a:t>
             </a:r>
             <a:endParaRPr lang="en-US" altLang="ja-JP" dirty="0" smtClean="0"/>
           </a:p>
           <a:p>
+            <a:pPr algn="l"/>
             <a:r>
               <a:rPr lang="ja-JP" altLang="en-US" dirty="0" smtClean="0"/>
               <a:t>カプチーノ　３９０円</a:t>
             </a:r>
-            <a:endParaRPr lang="en-US" altLang="ja-JP" dirty="0"/>
-          </a:p>
-          <a:p>
+            <a:endParaRPr lang="en-US" altLang="ja-JP" dirty="0" smtClean="0"/>
+          </a:p>
+          <a:p>
+            <a:pPr algn="l"/>
             <a:r>
               <a:rPr lang="ja-JP" altLang="en-US" dirty="0" smtClean="0"/>
               <a:t>ココア　３９０円</a:t>
@@ -3323,11 +3333,84 @@
             <a:endParaRPr lang="en-US" altLang="ja-JP" dirty="0" smtClean="0"/>
           </a:p>
           <a:p>
+            <a:pPr algn="l"/>
             <a:r>
               <a:rPr lang="ja-JP" altLang="en-US" dirty="0" smtClean="0"/>
               <a:t>アイスティー　３９０円</a:t>
             </a:r>
-            <a:endParaRPr lang="en-US" altLang="ja-JP" smtClean="0"/>
+            <a:endParaRPr lang="en-US" altLang="ja-JP" dirty="0" smtClean="0"/>
+          </a:p>
+          <a:p>
+            <a:pPr algn="l"/>
+            <a:r>
+              <a:rPr lang="ja-JP" altLang="en-US" dirty="0" smtClean="0"/>
+              <a:t>カフェモカ　４９０円</a:t>
+            </a:r>
+            <a:endParaRPr lang="en-US" altLang="ja-JP" dirty="0" smtClean="0"/>
+          </a:p>
+          <a:p>
+            <a:pPr algn="l"/>
+            <a:r>
+              <a:rPr lang="ja-JP" altLang="en-US" dirty="0" smtClean="0"/>
+              <a:t>抹茶ラテ　４５０円</a:t>
+            </a:r>
+            <a:endParaRPr lang="en-US" altLang="ja-JP" dirty="0" smtClean="0"/>
+          </a:p>
+          <a:p>
+            <a:pPr algn="l"/>
+            <a:r>
+              <a:rPr lang="ja-JP" altLang="en-US" dirty="0" smtClean="0"/>
+              <a:t>キャラメル佑太　４５０円</a:t>
+            </a:r>
+            <a:endParaRPr lang="en-US" altLang="ja-JP" dirty="0" smtClean="0"/>
+          </a:p>
+          <a:p>
+            <a:pPr algn="l"/>
+            <a:r>
+              <a:rPr lang="ja-JP" altLang="en-US" dirty="0" smtClean="0"/>
+              <a:t>ダークモカチップフラペチーノ　５００円</a:t>
+            </a:r>
+            <a:endParaRPr lang="en-US" altLang="ja-JP" dirty="0" smtClean="0"/>
+          </a:p>
+          <a:p>
+            <a:pPr algn="l"/>
+            <a:r>
+              <a:rPr lang="ja-JP" altLang="en-US" dirty="0" smtClean="0"/>
+              <a:t>ブラックコーヒー</a:t>
+            </a:r>
+            <a:r>
+              <a:rPr lang="ja-JP" altLang="en-US" dirty="0"/>
+              <a:t>　</a:t>
+            </a:r>
+            <a:r>
+              <a:rPr lang="ja-JP" altLang="en-US" dirty="0" smtClean="0"/>
+              <a:t>３９０円</a:t>
+            </a:r>
+            <a:endParaRPr lang="en-US" altLang="ja-JP" dirty="0" smtClean="0"/>
+          </a:p>
+          <a:p>
+            <a:pPr algn="l"/>
+            <a:r>
+              <a:rPr lang="ja-JP" altLang="en-US" dirty="0" smtClean="0"/>
+              <a:t>クッキー　２００円</a:t>
+            </a:r>
+            <a:endParaRPr lang="en-US" altLang="ja-JP" dirty="0" smtClean="0"/>
+          </a:p>
+          <a:p>
+            <a:pPr algn="l"/>
+            <a:r>
+              <a:rPr lang="ja-JP" altLang="en-US" smtClean="0"/>
+              <a:t>ドーナッツ　２００円</a:t>
+            </a:r>
+            <a:endParaRPr lang="en-US" altLang="ja-JP" dirty="0" smtClean="0"/>
+          </a:p>
+          <a:p>
+            <a:pPr algn="l"/>
+            <a:endParaRPr lang="en-US" altLang="ja-JP" dirty="0" smtClean="0"/>
+          </a:p>
+          <a:p>
+            <a:pPr algn="l"/>
+            <a:endParaRPr lang="en-US" altLang="ja-JP" dirty="0" smtClean="0"/>
           </a:p>
           <a:p>
             <a:endParaRPr lang="en-US" altLang="ja-JP" dirty="0"/>

--- a/cafe-yuta-ebara/メニュー.pptx
+++ b/cafe-yuta-ebara/メニュー.pptx
@@ -3280,10 +3280,10 @@
           <a:lstStyle/>
           <a:p>
             <a:r>
-              <a:rPr kumimoji="1" lang="en-US" altLang="ja-JP" dirty="0" smtClean="0"/>
+              <a:rPr kumimoji="1" lang="en-US" altLang="ja-JP" sz="6600" i="1" smtClean="0"/>
               <a:t>menu</a:t>
             </a:r>
-            <a:endParaRPr kumimoji="1" lang="ja-JP" altLang="en-US" dirty="0"/>
+            <a:endParaRPr kumimoji="1" lang="ja-JP" altLang="en-US" i="1" dirty="0"/>
           </a:p>
         </p:txBody>
       </p:sp>
@@ -3399,7 +3399,7 @@
           <a:p>
             <a:pPr algn="l"/>
             <a:r>
-              <a:rPr lang="ja-JP" altLang="en-US" smtClean="0"/>
+              <a:rPr lang="ja-JP" altLang="en-US" dirty="0" smtClean="0"/>
               <a:t>ドーナッツ　２００円</a:t>
             </a:r>
             <a:endParaRPr lang="en-US" altLang="ja-JP" dirty="0" smtClean="0"/>
@@ -3427,6 +3427,13 @@
   <p:clrMapOvr>
     <a:masterClrMapping/>
   </p:clrMapOvr>
+  <p:timing>
+    <p:tnLst>
+      <p:par>
+        <p:cTn id="1" dur="indefinite" restart="never" nodeType="tmRoot"/>
+      </p:par>
+    </p:tnLst>
+  </p:timing>
 </p:sld>
 </file>
 
